--- a/poster/posterGleason.pptx
+++ b/poster/posterGleason.pptx
@@ -4171,31 +4171,7 @@
                 <a:cs typeface="Calibri"/>
                 <a:sym typeface="Calibri"/>
               </a:rPr>
-              <a:t> Fernanda Vera, </a:t>
-            </a:r>
-            <a:r>
-              <a:rPr lang="es-CO" sz="4000" dirty="0" err="1">
-                <a:solidFill>
-                  <a:srgbClr val="EAF1DD"/>
-                </a:solidFill>
-                <a:latin typeface="Candara" panose="020E0502030303020204" pitchFamily="34" charset="0"/>
-                <a:ea typeface="Calibri"/>
-                <a:cs typeface="Calibri"/>
-                <a:sym typeface="Calibri"/>
-              </a:rPr>
-              <a:t>Andres</a:t>
-            </a:r>
-            <a:r>
-              <a:rPr lang="es-CO" sz="4000" dirty="0">
-                <a:solidFill>
-                  <a:srgbClr val="EAF1DD"/>
-                </a:solidFill>
-                <a:latin typeface="Candara" panose="020E0502030303020204" pitchFamily="34" charset="0"/>
-                <a:ea typeface="Calibri"/>
-                <a:cs typeface="Calibri"/>
-                <a:sym typeface="Calibri"/>
-              </a:rPr>
-              <a:t> Felipe Gómez</a:t>
+              <a:t> Fernanda Vera, Andrés Felipe Gómez</a:t>
             </a:r>
             <a:endParaRPr lang="es-CO" dirty="0">
               <a:latin typeface="Candara" panose="020E0502030303020204" pitchFamily="34" charset="0"/>
@@ -4355,7 +4331,7 @@
                 <a:cs typeface="Calibri"/>
                 <a:sym typeface="Calibri"/>
               </a:rPr>
-              <a:t>: Andres Felipe Gomez, angomez449@gmail.com.</a:t>
+              <a:t>: Andrés Felipe Gómez, angomez449@gmail.com.</a:t>
             </a:r>
             <a:endParaRPr sz="2800" dirty="0">
               <a:solidFill>
@@ -4521,7 +4497,7 @@
                 <a:cs typeface="Calibri"/>
                 <a:sym typeface="Calibri"/>
               </a:rPr>
-              <a:t>, P. Doll ́</a:t>
+              <a:t>, P. </a:t>
             </a:r>
             <a:r>
               <a:rPr lang="en-US" sz="1600" dirty="0" err="1">
@@ -4533,7 +4509,7 @@
                 <a:cs typeface="Calibri"/>
                 <a:sym typeface="Calibri"/>
               </a:rPr>
-              <a:t>ar</a:t>
+              <a:t>Dollár</a:t>
             </a:r>
             <a:r>
               <a:rPr lang="en-US" sz="1600" dirty="0">
@@ -4612,7 +4588,7 @@
               <a:buAutoNum type="arabicPeriod"/>
             </a:pPr>
             <a:r>
-              <a:rPr lang="en-US" sz="1600" dirty="0">
+              <a:rPr lang="es-MX" sz="1600" dirty="0">
                 <a:solidFill>
                   <a:schemeClr val="bg1"/>
                 </a:solidFill>
@@ -4621,10 +4597,10 @@
                 <a:cs typeface="Calibri"/>
                 <a:sym typeface="Calibri"/>
               </a:rPr>
-              <a:t>K. He, G. </a:t>
-            </a:r>
-            <a:r>
-              <a:rPr lang="en-US" sz="1600" dirty="0" err="1">
+              <a:t>American </a:t>
+            </a:r>
+            <a:r>
+              <a:rPr lang="es-MX" sz="1600" dirty="0" err="1">
                 <a:solidFill>
                   <a:schemeClr val="bg1"/>
                 </a:solidFill>
@@ -4633,10 +4609,10 @@
                 <a:cs typeface="Calibri"/>
                 <a:sym typeface="Calibri"/>
               </a:rPr>
-              <a:t>Gkioxari</a:t>
-            </a:r>
-            <a:r>
-              <a:rPr lang="en-US" sz="1600" dirty="0">
+              <a:t>Cancer</a:t>
+            </a:r>
+            <a:r>
+              <a:rPr lang="es-MX" sz="1600" dirty="0">
                 <a:solidFill>
                   <a:schemeClr val="bg1"/>
                 </a:solidFill>
@@ -4645,10 +4621,10 @@
                 <a:cs typeface="Calibri"/>
                 <a:sym typeface="Calibri"/>
               </a:rPr>
-              <a:t>, P. Doll ́</a:t>
-            </a:r>
-            <a:r>
-              <a:rPr lang="en-US" sz="1600" dirty="0" err="1">
+              <a:t> </a:t>
+            </a:r>
+            <a:r>
+              <a:rPr lang="es-MX" sz="1600" dirty="0" err="1">
                 <a:solidFill>
                   <a:schemeClr val="bg1"/>
                 </a:solidFill>
@@ -4657,10 +4633,10 @@
                 <a:cs typeface="Calibri"/>
                 <a:sym typeface="Calibri"/>
               </a:rPr>
-              <a:t>ar</a:t>
-            </a:r>
-            <a:r>
-              <a:rPr lang="en-US" sz="1600" dirty="0">
+              <a:t>Society</a:t>
+            </a:r>
+            <a:r>
+              <a:rPr lang="es-MX" sz="1600" dirty="0">
                 <a:solidFill>
                   <a:schemeClr val="bg1"/>
                 </a:solidFill>
@@ -4669,10 +4645,10 @@
                 <a:cs typeface="Calibri"/>
                 <a:sym typeface="Calibri"/>
               </a:rPr>
-              <a:t>, and R. </a:t>
-            </a:r>
-            <a:r>
-              <a:rPr lang="en-US" sz="1600" dirty="0" err="1">
+              <a:t>, “Pruebas para diagnosticar y determinar la etapa del cáncer de próstata,” 2019. [Online]. </a:t>
+            </a:r>
+            <a:r>
+              <a:rPr lang="es-MX" sz="1600" dirty="0" err="1">
                 <a:solidFill>
                   <a:schemeClr val="bg1"/>
                 </a:solidFill>
@@ -4681,10 +4657,10 @@
                 <a:cs typeface="Calibri"/>
                 <a:sym typeface="Calibri"/>
               </a:rPr>
-              <a:t>Girshick</a:t>
-            </a:r>
-            <a:r>
-              <a:rPr lang="en-US" sz="1600" dirty="0">
+              <a:t>Available</a:t>
+            </a:r>
+            <a:r>
+              <a:rPr lang="es-MX" sz="1600" dirty="0">
                 <a:solidFill>
                   <a:schemeClr val="bg1"/>
                 </a:solidFill>
@@ -4693,31 +4669,7 @@
                 <a:cs typeface="Calibri"/>
                 <a:sym typeface="Calibri"/>
               </a:rPr>
-              <a:t>, “Mask r-</a:t>
-            </a:r>
-            <a:r>
-              <a:rPr lang="en-US" sz="1600" dirty="0" err="1">
-                <a:solidFill>
-                  <a:schemeClr val="bg1"/>
-                </a:solidFill>
-                <a:latin typeface="Calibri"/>
-                <a:ea typeface="Calibri"/>
-                <a:cs typeface="Calibri"/>
-                <a:sym typeface="Calibri"/>
-              </a:rPr>
-              <a:t>cnn</a:t>
-            </a:r>
-            <a:r>
-              <a:rPr lang="en-US" sz="1600" dirty="0">
-                <a:solidFill>
-                  <a:schemeClr val="bg1"/>
-                </a:solidFill>
-                <a:latin typeface="Calibri"/>
-                <a:ea typeface="Calibri"/>
-                <a:cs typeface="Calibri"/>
-                <a:sym typeface="Calibri"/>
-              </a:rPr>
-              <a:t>,” arXiv:1703.06870v3, 2018.</a:t>
+              <a:t>: https://www.cancer.org/es/cancer/</a:t>
             </a:r>
           </a:p>
           <a:p>
@@ -4736,6 +4688,42 @@
               <a:buAutoNum type="arabicPeriod"/>
             </a:pPr>
             <a:r>
+              <a:rPr lang="es-MX" sz="1600" dirty="0" err="1">
+                <a:solidFill>
+                  <a:schemeClr val="bg1"/>
+                </a:solidFill>
+                <a:latin typeface="Calibri"/>
+                <a:ea typeface="Calibri"/>
+                <a:cs typeface="Calibri"/>
+                <a:sym typeface="Calibri"/>
+              </a:rPr>
+              <a:t>cancer</a:t>
+            </a:r>
+            <a:r>
+              <a:rPr lang="es-MX" sz="1600" dirty="0">
+                <a:solidFill>
+                  <a:schemeClr val="bg1"/>
+                </a:solidFill>
+                <a:latin typeface="Calibri"/>
+                <a:ea typeface="Calibri"/>
+                <a:cs typeface="Calibri"/>
+                <a:sym typeface="Calibri"/>
+              </a:rPr>
+              <a:t>-</a:t>
+            </a:r>
+            <a:r>
+              <a:rPr lang="es-MX" sz="1600" dirty="0" err="1">
+                <a:solidFill>
+                  <a:schemeClr val="bg1"/>
+                </a:solidFill>
+                <a:latin typeface="Calibri"/>
+                <a:ea typeface="Calibri"/>
+                <a:cs typeface="Calibri"/>
+                <a:sym typeface="Calibri"/>
+              </a:rPr>
+              <a:t>de-prostata</a:t>
+            </a:r>
+            <a:r>
               <a:rPr lang="en-US" sz="1600" dirty="0">
                 <a:solidFill>
                   <a:schemeClr val="bg1"/>
@@ -4803,6 +4791,77 @@
                 <a:sym typeface="Calibri"/>
               </a:rPr>
               <a:t>,” Urología Colombiana, vol. IX, no. 1.</a:t>
+            </a:r>
+          </a:p>
+          <a:p>
+            <a:pPr marL="342842" marR="0" lvl="0" indent="-342842" algn="l" rtl="0">
+              <a:spcBef>
+                <a:spcPts val="0"/>
+              </a:spcBef>
+              <a:spcAft>
+                <a:spcPts val="0"/>
+              </a:spcAft>
+              <a:buClr>
+                <a:schemeClr val="dk1"/>
+              </a:buClr>
+              <a:buSzPts val="1600"/>
+              <a:buFont typeface="Calibri"/>
+              <a:buAutoNum type="arabicPeriod"/>
+            </a:pPr>
+            <a:r>
+              <a:rPr lang="es-MX" sz="1600" dirty="0">
+                <a:solidFill>
+                  <a:schemeClr val="bg1"/>
+                </a:solidFill>
+                <a:latin typeface="Calibri"/>
+                <a:cs typeface="Calibri"/>
+                <a:sym typeface="Calibri"/>
+              </a:rPr>
+              <a:t>Repositorio </a:t>
+            </a:r>
+            <a:r>
+              <a:rPr lang="es-MX" sz="1600">
+                <a:solidFill>
+                  <a:schemeClr val="bg1"/>
+                </a:solidFill>
+                <a:latin typeface="Calibri"/>
+                <a:cs typeface="Calibri"/>
+                <a:sym typeface="Calibri"/>
+              </a:rPr>
+              <a:t>del presente </a:t>
+            </a:r>
+            <a:r>
+              <a:rPr lang="es-MX" sz="1600" dirty="0">
+                <a:solidFill>
+                  <a:schemeClr val="bg1"/>
+                </a:solidFill>
+                <a:latin typeface="Calibri"/>
+                <a:cs typeface="Calibri"/>
+                <a:sym typeface="Calibri"/>
+              </a:rPr>
+              <a:t>proyecto. </a:t>
+            </a:r>
+            <a:r>
+              <a:rPr lang="es-MX" sz="1600" dirty="0" err="1">
+                <a:solidFill>
+                  <a:schemeClr val="bg1"/>
+                </a:solidFill>
+                <a:latin typeface="Calibri"/>
+                <a:cs typeface="Calibri"/>
+                <a:sym typeface="Calibri"/>
+              </a:rPr>
+              <a:t>Avalaible</a:t>
+            </a:r>
+            <a:r>
+              <a:rPr lang="es-MX" sz="1600" dirty="0">
+                <a:solidFill>
+                  <a:schemeClr val="bg1"/>
+                </a:solidFill>
+                <a:latin typeface="Calibri"/>
+                <a:cs typeface="Calibri"/>
+                <a:sym typeface="Calibri"/>
+              </a:rPr>
+              <a:t>: https://github.com/mafevera/ProyectoIA2</a:t>
             </a:r>
             <a:endParaRPr dirty="0">
               <a:solidFill>
@@ -9189,7 +9248,7 @@
         <p:spPr>
           <a:xfrm>
             <a:off x="12032119" y="5743658"/>
-            <a:ext cx="16697739" cy="7478970"/>
+            <a:ext cx="16697739" cy="6494085"/>
           </a:xfrm>
           <a:prstGeom prst="rect">
             <a:avLst/>
@@ -9438,7 +9497,7 @@
                 <a:cs typeface="Calibri"/>
                 <a:sym typeface="Calibri"/>
               </a:rPr>
-              <a:t> R-CNN que permite segmentar y clasificar las muestras de cáncer de próstata en la escala de Gleason</a:t>
+              <a:t> R-CNN que permite segmentar y clasificar las muestras de cáncer de próstata en la escala de Gleason.</a:t>
             </a:r>
           </a:p>
           <a:p>
@@ -9545,78 +9604,6 @@
               </a:rPr>
               <a:t>, transformando las imágenes a escala de grises y variando su tamaño.</a:t>
             </a:r>
-            <a:endParaRPr kumimoji="0" lang="es-MX" sz="3200" b="0" i="0" u="none" strike="noStrike" kern="0" cap="none" spc="0" normalizeH="0" baseline="0" noProof="0" dirty="0">
-              <a:ln>
-                <a:noFill/>
-              </a:ln>
-              <a:solidFill>
-                <a:prstClr val="black"/>
-              </a:solidFill>
-              <a:effectLst/>
-              <a:uLnTx/>
-              <a:uFillTx/>
-              <a:latin typeface="Calibri"/>
-              <a:ea typeface="Calibri"/>
-              <a:cs typeface="Calibri"/>
-              <a:sym typeface="Calibri"/>
-            </a:endParaRPr>
-          </a:p>
-          <a:p>
-            <a:pPr marL="514350" marR="0" lvl="8" indent="-514350" algn="just" defTabSz="914400" rtl="0" eaLnBrk="1" fontAlgn="auto" latinLnBrk="0" hangingPunct="1">
-              <a:lnSpc>
-                <a:spcPct val="100000"/>
-              </a:lnSpc>
-              <a:spcBef>
-                <a:spcPts val="0"/>
-              </a:spcBef>
-              <a:spcAft>
-                <a:spcPts val="0"/>
-              </a:spcAft>
-              <a:buClr>
-                <a:srgbClr val="000000"/>
-              </a:buClr>
-              <a:buSzTx/>
-              <a:buFont typeface="Arial"/>
-              <a:buAutoNum type="arabicPeriod"/>
-              <a:tabLst/>
-              <a:defRPr/>
-            </a:pPr>
-            <a:endParaRPr kumimoji="0" lang="es-MX" sz="3200" b="0" i="0" u="none" strike="noStrike" kern="0" cap="none" spc="0" normalizeH="0" baseline="0" noProof="0" dirty="0">
-              <a:ln>
-                <a:noFill/>
-              </a:ln>
-              <a:solidFill>
-                <a:prstClr val="black"/>
-              </a:solidFill>
-              <a:effectLst/>
-              <a:uLnTx/>
-              <a:uFillTx/>
-              <a:latin typeface="Calibri"/>
-              <a:ea typeface="Calibri"/>
-              <a:cs typeface="Calibri"/>
-              <a:sym typeface="Calibri"/>
-            </a:endParaRPr>
-          </a:p>
-          <a:p>
-            <a:pPr marL="0" marR="0" lvl="8" indent="0" algn="just" defTabSz="914400" rtl="0" eaLnBrk="1" fontAlgn="auto" latinLnBrk="0" hangingPunct="1">
-              <a:lnSpc>
-                <a:spcPct val="100000"/>
-              </a:lnSpc>
-              <a:spcBef>
-                <a:spcPts val="0"/>
-              </a:spcBef>
-              <a:spcAft>
-                <a:spcPts val="0"/>
-              </a:spcAft>
-              <a:buClr>
-                <a:srgbClr val="000000"/>
-              </a:buClr>
-              <a:buSzTx/>
-              <a:buFont typeface="Arial"/>
-              <a:buNone/>
-              <a:tabLst/>
-              <a:defRPr/>
-            </a:pPr>
             <a:endParaRPr kumimoji="0" lang="es-MX" sz="3200" b="0" i="0" u="none" strike="noStrike" kern="0" cap="none" spc="0" normalizeH="0" baseline="0" noProof="0" dirty="0">
               <a:ln>
                 <a:noFill/>
@@ -10236,21 +10223,6 @@
 </file>
 
 <file path=customXml/item1.xml><?xml version="1.0" encoding="utf-8"?>
-<?mso-contentType ?>
-<FormTemplates xmlns="http://schemas.microsoft.com/sharepoint/v3/contenttype/forms">
-  <Display>DocumentLibraryForm</Display>
-  <Edit>DocumentLibraryForm</Edit>
-  <New>DocumentLibraryForm</New>
-</FormTemplates>
-</file>
-
-<file path=customXml/item2.xml><?xml version="1.0" encoding="utf-8"?>
-<p:properties xmlns:p="http://schemas.microsoft.com/office/2006/metadata/properties" xmlns:xsi="http://www.w3.org/2001/XMLSchema-instance" xmlns:pc="http://schemas.microsoft.com/office/infopath/2007/PartnerControls">
-  <documentManagement/>
-</p:properties>
-</file>
-
-<file path=customXml/item3.xml><?xml version="1.0" encoding="utf-8"?>
 <ct:contentTypeSchema xmlns:ct="http://schemas.microsoft.com/office/2006/metadata/contentType" xmlns:ma="http://schemas.microsoft.com/office/2006/metadata/properties/metaAttributes" ct:_="" ma:_="" ma:contentTypeName="Documento" ma:contentTypeID="0x0101007228C2A1DD830841B81CFDEE76E36F01" ma:contentTypeVersion="8" ma:contentTypeDescription="Crear nuevo documento." ma:contentTypeScope="" ma:versionID="5b4db549523a0a29bdd783dcede98f20">
   <xsd:schema xmlns:xsd="http://www.w3.org/2001/XMLSchema" xmlns:xs="http://www.w3.org/2001/XMLSchema" xmlns:p="http://schemas.microsoft.com/office/2006/metadata/properties" xmlns:ns2="2d405435-45be-43e4-8998-645d85a018d9" targetNamespace="http://schemas.microsoft.com/office/2006/metadata/properties" ma:root="true" ma:fieldsID="46994ad050463fad6ab80e45ba309368" ns2:_="">
     <xsd:import namespace="2d405435-45be-43e4-8998-645d85a018d9"/>
@@ -10422,31 +10394,22 @@
 </ct:contentTypeSchema>
 </file>
 
-<file path=customXml/itemProps1.xml><?xml version="1.0" encoding="utf-8"?>
-<ds:datastoreItem xmlns:ds="http://schemas.openxmlformats.org/officeDocument/2006/customXml" ds:itemID="{3BF0E178-1F1F-49D9-BA72-76510F1C1AB3}">
-  <ds:schemaRefs>
-    <ds:schemaRef ds:uri="http://schemas.microsoft.com/sharepoint/v3/contenttype/forms"/>
-  </ds:schemaRefs>
-</ds:datastoreItem>
+<file path=customXml/item2.xml><?xml version="1.0" encoding="utf-8"?>
+<p:properties xmlns:p="http://schemas.microsoft.com/office/2006/metadata/properties" xmlns:xsi="http://www.w3.org/2001/XMLSchema-instance" xmlns:pc="http://schemas.microsoft.com/office/infopath/2007/PartnerControls">
+  <documentManagement/>
+</p:properties>
 </file>
 
-<file path=customXml/itemProps2.xml><?xml version="1.0" encoding="utf-8"?>
-<ds:datastoreItem xmlns:ds="http://schemas.openxmlformats.org/officeDocument/2006/customXml" ds:itemID="{1E97E41D-B09E-4D3D-82C8-D317E003E535}">
-  <ds:schemaRefs>
-    <ds:schemaRef ds:uri="http://purl.org/dc/elements/1.1/"/>
-    <ds:schemaRef ds:uri="http://schemas.microsoft.com/office/2006/metadata/properties"/>
-    <ds:schemaRef ds:uri="http://purl.org/dc/terms/"/>
-    <ds:schemaRef ds:uri="http://schemas.microsoft.com/office/infopath/2007/PartnerControls"/>
-    <ds:schemaRef ds:uri="http://schemas.microsoft.com/office/2006/documentManagement/types"/>
-    <ds:schemaRef ds:uri="http://schemas.openxmlformats.org/package/2006/metadata/core-properties"/>
-    <ds:schemaRef ds:uri="2d405435-45be-43e4-8998-645d85a018d9"/>
-    <ds:schemaRef ds:uri="http://www.w3.org/XML/1998/namespace"/>
-    <ds:schemaRef ds:uri="http://purl.org/dc/dcmitype/"/>
-  </ds:schemaRefs>
-</ds:datastoreItem>
+<file path=customXml/item3.xml><?xml version="1.0" encoding="utf-8"?>
+<?mso-contentType ?>
+<FormTemplates xmlns="http://schemas.microsoft.com/sharepoint/v3/contenttype/forms">
+  <Display>DocumentLibraryForm</Display>
+  <Edit>DocumentLibraryForm</Edit>
+  <New>DocumentLibraryForm</New>
+</FormTemplates>
 </file>
 
-<file path=customXml/itemProps3.xml><?xml version="1.0" encoding="utf-8"?>
+<file path=customXml/itemProps1.xml><?xml version="1.0" encoding="utf-8"?>
 <ds:datastoreItem xmlns:ds="http://schemas.openxmlformats.org/officeDocument/2006/customXml" ds:itemID="{4501F22B-80A4-4690-92F4-7702F861606D}">
   <ds:schemaRefs>
     <ds:schemaRef ds:uri="http://schemas.microsoft.com/office/2006/metadata/contentType"/>
@@ -10462,4 +10425,28 @@
     <ds:schemaRef ds:uri="http://schemas.microsoft.com/internal/obd"/>
   </ds:schemaRefs>
 </ds:datastoreItem>
+</file>
+
+<file path=customXml/itemProps2.xml><?xml version="1.0" encoding="utf-8"?>
+<ds:datastoreItem xmlns:ds="http://schemas.openxmlformats.org/officeDocument/2006/customXml" ds:itemID="{1E97E41D-B09E-4D3D-82C8-D317E003E535}">
+  <ds:schemaRefs>
+    <ds:schemaRef ds:uri="http://purl.org/dc/elements/1.1/"/>
+    <ds:schemaRef ds:uri="http://schemas.microsoft.com/office/infopath/2007/PartnerControls"/>
+    <ds:schemaRef ds:uri="http://www.w3.org/XML/1998/namespace"/>
+    <ds:schemaRef ds:uri="http://purl.org/dc/terms/"/>
+    <ds:schemaRef ds:uri="http://schemas.microsoft.com/office/2006/documentManagement/types"/>
+    <ds:schemaRef ds:uri="http://purl.org/dc/dcmitype/"/>
+    <ds:schemaRef ds:uri="2d405435-45be-43e4-8998-645d85a018d9"/>
+    <ds:schemaRef ds:uri="http://schemas.openxmlformats.org/package/2006/metadata/core-properties"/>
+    <ds:schemaRef ds:uri="http://schemas.microsoft.com/office/2006/metadata/properties"/>
+  </ds:schemaRefs>
+</ds:datastoreItem>
+</file>
+
+<file path=customXml/itemProps3.xml><?xml version="1.0" encoding="utf-8"?>
+<ds:datastoreItem xmlns:ds="http://schemas.openxmlformats.org/officeDocument/2006/customXml" ds:itemID="{3BF0E178-1F1F-49D9-BA72-76510F1C1AB3}">
+  <ds:schemaRefs>
+    <ds:schemaRef ds:uri="http://schemas.microsoft.com/sharepoint/v3/contenttype/forms"/>
+  </ds:schemaRefs>
+</ds:datastoreItem>
 </file>